--- a/ppt/算法讲解137【扩展】线性基-下.pptx
+++ b/ppt/算法讲解137【扩展】线性基-下.pptx
@@ -5385,7 +5385,7 @@
               </a:defRPr>
             </a:pPr>
             <a:r>
-              <a:t>每条边有权值，输入保证图是联通的，可能有环</a:t>
+              <a:t>每条边有权值，输入保证图是连通的，可能有环</a:t>
             </a:r>
           </a:p>
           <a:p>
